--- a/motion_deblurring_methods_summary_hai_20170426.pptx
+++ b/motion_deblurring_methods_summary_hai_20170426.pptx
@@ -3907,29 +3907,68 @@
           <a:bodyPr/>
           <a:lstStyle/>
           <a:p>
+            <a:r>
+              <a:rPr lang="zh-CN" altLang="en-US" smtClean="0"/>
+              <a:t>运动模糊</a:t>
+            </a:r>
             <a:endParaRPr lang="zh-CN" altLang="en-US" dirty="0"/>
           </a:p>
         </p:txBody>
       </p:sp>
-      <p:sp>
-        <p:nvSpPr>
-          <p:cNvPr id="3" name="内容占位符 2"/>
-          <p:cNvSpPr>
-            <a:spLocks noGrp="1"/>
-          </p:cNvSpPr>
-          <p:nvPr>
-            <p:ph sz="quarter" idx="1"/>
-          </p:nvPr>
-        </p:nvSpPr>
-        <p:spPr/>
-        <p:txBody>
-          <a:bodyPr/>
-          <a:lstStyle/>
-          <a:p>
-            <a:endParaRPr lang="zh-CN" altLang="en-US" dirty="0"/>
-          </a:p>
-        </p:txBody>
-      </p:sp>
+      <p:pic>
+        <p:nvPicPr>
+          <p:cNvPr id="1026" name="Picture 2"/>
+          <p:cNvPicPr>
+            <a:picLocks noChangeAspect="1" noChangeArrowheads="1"/>
+          </p:cNvPicPr>
+          <p:nvPr/>
+        </p:nvPicPr>
+        <p:blipFill>
+          <a:blip r:embed="rId2">
+            <a:extLst>
+              <a:ext uri="{28A0092B-C50C-407E-A947-70E740481C1C}">
+                <a14:useLocalDpi xmlns:a14="http://schemas.microsoft.com/office/drawing/2010/main" val="0"/>
+              </a:ext>
+            </a:extLst>
+          </a:blip>
+          <a:srcRect/>
+          <a:stretch>
+            <a:fillRect/>
+          </a:stretch>
+        </p:blipFill>
+        <p:spPr bwMode="auto">
+          <a:xfrm>
+            <a:off x="539552" y="2439794"/>
+            <a:ext cx="2857500" cy="1924050"/>
+          </a:xfrm>
+          <a:prstGeom prst="rect">
+            <a:avLst/>
+          </a:prstGeom>
+          <a:noFill/>
+          <a:ln>
+            <a:noFill/>
+          </a:ln>
+          <a:extLst>
+            <a:ext uri="{909E8E84-426E-40DD-AFC4-6F175D3DCCD1}">
+              <a14:hiddenFill xmlns:a14="http://schemas.microsoft.com/office/drawing/2010/main">
+                <a:solidFill>
+                  <a:schemeClr val="accent1"/>
+                </a:solidFill>
+              </a14:hiddenFill>
+            </a:ext>
+            <a:ext uri="{91240B29-F687-4F45-9708-019B960494DF}">
+              <a14:hiddenLine xmlns:a14="http://schemas.microsoft.com/office/drawing/2010/main" w="9525">
+                <a:solidFill>
+                  <a:schemeClr val="tx1"/>
+                </a:solidFill>
+                <a:miter lim="800000"/>
+                <a:headEnd/>
+                <a:tailEnd/>
+              </a14:hiddenLine>
+            </a:ext>
+          </a:extLst>
+        </p:spPr>
+      </p:pic>
     </p:spTree>
     <p:extLst>
       <p:ext uri="{BB962C8B-B14F-4D97-AF65-F5344CB8AC3E}">
